--- a/Quá trình cài đặt My SQL 2022.pptx
+++ b/Quá trình cài đặt My SQL 2022.pptx
@@ -31,6 +31,14 @@
     <p:sldId id="279" r:id="rId25"/>
     <p:sldId id="280" r:id="rId26"/>
     <p:sldId id="281" r:id="rId27"/>
+    <p:sldId id="282" r:id="rId28"/>
+    <p:sldId id="286" r:id="rId29"/>
+    <p:sldId id="283" r:id="rId30"/>
+    <p:sldId id="284" r:id="rId31"/>
+    <p:sldId id="285" r:id="rId32"/>
+    <p:sldId id="287" r:id="rId33"/>
+    <p:sldId id="288" r:id="rId34"/>
+    <p:sldId id="289" r:id="rId35"/>
   </p:sldIdLst>
   <p:sldSz cx="12192000" cy="6858000"/>
   <p:notesSz cx="6858000" cy="9144000"/>
@@ -8663,6 +8671,357 @@
 </p:sld>
 </file>
 
+<file path=ppt/slides/slide27.xml><?xml version="1.0" encoding="utf-8"?>
+<p:sld xmlns:a="http://schemas.openxmlformats.org/drawingml/2006/main" xmlns:r="http://schemas.openxmlformats.org/officeDocument/2006/relationships" xmlns:p="http://schemas.openxmlformats.org/presentationml/2006/main">
+  <p:cSld>
+    <p:spTree>
+      <p:nvGrpSpPr>
+        <p:cNvPr id="1" name=""/>
+        <p:cNvGrpSpPr/>
+        <p:nvPr/>
+      </p:nvGrpSpPr>
+      <p:grpSpPr>
+        <a:xfrm>
+          <a:off x="0" y="0"/>
+          <a:ext cx="0" cy="0"/>
+          <a:chOff x="0" y="0"/>
+          <a:chExt cx="0" cy="0"/>
+        </a:xfrm>
+      </p:grpSpPr>
+      <p:pic>
+        <p:nvPicPr>
+          <p:cNvPr id="3" name="Picture 2">
+            <a:extLst>
+              <a:ext uri="{FF2B5EF4-FFF2-40B4-BE49-F238E27FC236}">
+                <a16:creationId xmlns:a16="http://schemas.microsoft.com/office/drawing/2014/main" id="{841BEAB9-EC36-4B4D-AC48-A6539B251AAB}"/>
+              </a:ext>
+            </a:extLst>
+          </p:cNvPr>
+          <p:cNvPicPr>
+            <a:picLocks noChangeAspect="1"/>
+          </p:cNvPicPr>
+          <p:nvPr/>
+        </p:nvPicPr>
+        <p:blipFill>
+          <a:blip r:embed="rId2"/>
+          <a:stretch>
+            <a:fillRect/>
+          </a:stretch>
+        </p:blipFill>
+        <p:spPr>
+          <a:xfrm>
+            <a:off x="0" y="0"/>
+            <a:ext cx="12192000" cy="7086600"/>
+          </a:xfrm>
+          <a:prstGeom prst="rect">
+            <a:avLst/>
+          </a:prstGeom>
+        </p:spPr>
+      </p:pic>
+    </p:spTree>
+    <p:extLst>
+      <p:ext uri="{BB962C8B-B14F-4D97-AF65-F5344CB8AC3E}">
+        <p14:creationId xmlns:p14="http://schemas.microsoft.com/office/powerpoint/2010/main" val="1086439985"/>
+      </p:ext>
+    </p:extLst>
+  </p:cSld>
+  <p:clrMapOvr>
+    <a:masterClrMapping/>
+  </p:clrMapOvr>
+</p:sld>
+</file>
+
+<file path=ppt/slides/slide28.xml><?xml version="1.0" encoding="utf-8"?>
+<p:sld xmlns:a="http://schemas.openxmlformats.org/drawingml/2006/main" xmlns:r="http://schemas.openxmlformats.org/officeDocument/2006/relationships" xmlns:p="http://schemas.openxmlformats.org/presentationml/2006/main">
+  <p:cSld>
+    <p:spTree>
+      <p:nvGrpSpPr>
+        <p:cNvPr id="1" name=""/>
+        <p:cNvGrpSpPr/>
+        <p:nvPr/>
+      </p:nvGrpSpPr>
+      <p:grpSpPr>
+        <a:xfrm>
+          <a:off x="0" y="0"/>
+          <a:ext cx="0" cy="0"/>
+          <a:chOff x="0" y="0"/>
+          <a:chExt cx="0" cy="0"/>
+        </a:xfrm>
+      </p:grpSpPr>
+      <p:pic>
+        <p:nvPicPr>
+          <p:cNvPr id="3" name="Picture 2">
+            <a:extLst>
+              <a:ext uri="{FF2B5EF4-FFF2-40B4-BE49-F238E27FC236}">
+                <a16:creationId xmlns:a16="http://schemas.microsoft.com/office/drawing/2014/main" id="{57B936C3-438A-4416-9542-1CE185E5A7DC}"/>
+              </a:ext>
+            </a:extLst>
+          </p:cNvPr>
+          <p:cNvPicPr>
+            <a:picLocks noChangeAspect="1"/>
+          </p:cNvPicPr>
+          <p:nvPr/>
+        </p:nvPicPr>
+        <p:blipFill>
+          <a:blip r:embed="rId2"/>
+          <a:stretch>
+            <a:fillRect/>
+          </a:stretch>
+        </p:blipFill>
+        <p:spPr>
+          <a:xfrm>
+            <a:off x="5967724" y="2389362"/>
+            <a:ext cx="4980952" cy="2790476"/>
+          </a:xfrm>
+          <a:prstGeom prst="rect">
+            <a:avLst/>
+          </a:prstGeom>
+        </p:spPr>
+      </p:pic>
+      <p:sp>
+        <p:nvSpPr>
+          <p:cNvPr id="4" name="TextBox 3">
+            <a:extLst>
+              <a:ext uri="{FF2B5EF4-FFF2-40B4-BE49-F238E27FC236}">
+                <a16:creationId xmlns:a16="http://schemas.microsoft.com/office/drawing/2014/main" id="{053BA138-7090-4249-87EF-712278334BE6}"/>
+              </a:ext>
+            </a:extLst>
+          </p:cNvPr>
+          <p:cNvSpPr txBox="1"/>
+          <p:nvPr/>
+        </p:nvSpPr>
+        <p:spPr>
+          <a:xfrm>
+            <a:off x="749300" y="2933700"/>
+            <a:ext cx="4140200" cy="477054"/>
+          </a:xfrm>
+          <a:prstGeom prst="rect">
+            <a:avLst/>
+          </a:prstGeom>
+          <a:noFill/>
+        </p:spPr>
+        <p:txBody>
+          <a:bodyPr wrap="square" rtlCol="0">
+            <a:spAutoFit/>
+          </a:bodyPr>
+          <a:lstStyle/>
+          <a:p>
+            <a:r>
+              <a:rPr lang="en-US" sz="2500" dirty="0" err="1">
+                <a:latin typeface="Times New Roman" panose="02020603050405020304" pitchFamily="18" charset="0"/>
+                <a:cs typeface="Times New Roman" panose="02020603050405020304" pitchFamily="18" charset="0"/>
+              </a:rPr>
+              <a:t>Mở</a:t>
+            </a:r>
+            <a:r>
+              <a:rPr lang="en-US" sz="2500" dirty="0">
+                <a:latin typeface="Times New Roman" panose="02020603050405020304" pitchFamily="18" charset="0"/>
+                <a:cs typeface="Times New Roman" panose="02020603050405020304" pitchFamily="18" charset="0"/>
+              </a:rPr>
+              <a:t> TCP/IP : </a:t>
+            </a:r>
+            <a:r>
+              <a:rPr lang="en-US" sz="2500" dirty="0" err="1">
+                <a:latin typeface="Times New Roman" panose="02020603050405020304" pitchFamily="18" charset="0"/>
+                <a:cs typeface="Times New Roman" panose="02020603050405020304" pitchFamily="18" charset="0"/>
+              </a:rPr>
+              <a:t>chọn</a:t>
+            </a:r>
+            <a:r>
+              <a:rPr lang="en-US" sz="2500" dirty="0">
+                <a:latin typeface="Times New Roman" panose="02020603050405020304" pitchFamily="18" charset="0"/>
+                <a:cs typeface="Times New Roman" panose="02020603050405020304" pitchFamily="18" charset="0"/>
+              </a:rPr>
+              <a:t> enabled</a:t>
+            </a:r>
+          </a:p>
+        </p:txBody>
+      </p:sp>
+    </p:spTree>
+    <p:extLst>
+      <p:ext uri="{BB962C8B-B14F-4D97-AF65-F5344CB8AC3E}">
+        <p14:creationId xmlns:p14="http://schemas.microsoft.com/office/powerpoint/2010/main" val="1107802793"/>
+      </p:ext>
+    </p:extLst>
+  </p:cSld>
+  <p:clrMapOvr>
+    <a:masterClrMapping/>
+  </p:clrMapOvr>
+</p:sld>
+</file>
+
+<file path=ppt/slides/slide29.xml><?xml version="1.0" encoding="utf-8"?>
+<p:sld xmlns:a="http://schemas.openxmlformats.org/drawingml/2006/main" xmlns:r="http://schemas.openxmlformats.org/officeDocument/2006/relationships" xmlns:p="http://schemas.openxmlformats.org/presentationml/2006/main">
+  <p:cSld>
+    <p:spTree>
+      <p:nvGrpSpPr>
+        <p:cNvPr id="1" name=""/>
+        <p:cNvGrpSpPr/>
+        <p:nvPr/>
+      </p:nvGrpSpPr>
+      <p:grpSpPr>
+        <a:xfrm>
+          <a:off x="0" y="0"/>
+          <a:ext cx="0" cy="0"/>
+          <a:chOff x="0" y="0"/>
+          <a:chExt cx="0" cy="0"/>
+        </a:xfrm>
+      </p:grpSpPr>
+      <p:sp>
+        <p:nvSpPr>
+          <p:cNvPr id="2" name="Title 1">
+            <a:extLst>
+              <a:ext uri="{FF2B5EF4-FFF2-40B4-BE49-F238E27FC236}">
+                <a16:creationId xmlns:a16="http://schemas.microsoft.com/office/drawing/2014/main" id="{B402D397-3D46-46A0-A70F-AF4C67036ED7}"/>
+              </a:ext>
+            </a:extLst>
+          </p:cNvPr>
+          <p:cNvSpPr>
+            <a:spLocks noGrp="1"/>
+          </p:cNvSpPr>
+          <p:nvPr>
+            <p:ph type="title"/>
+          </p:nvPr>
+        </p:nvSpPr>
+        <p:spPr>
+          <a:xfrm>
+            <a:off x="-787309" y="639303"/>
+            <a:ext cx="8610599" cy="1303867"/>
+          </a:xfrm>
+        </p:spPr>
+        <p:txBody>
+          <a:bodyPr>
+            <a:normAutofit/>
+          </a:bodyPr>
+          <a:lstStyle/>
+          <a:p>
+            <a:r>
+              <a:rPr lang="en-US" sz="3500" dirty="0" err="1">
+                <a:latin typeface="Times New Roman" panose="02020603050405020304" pitchFamily="18" charset="0"/>
+                <a:cs typeface="Times New Roman" panose="02020603050405020304" pitchFamily="18" charset="0"/>
+              </a:rPr>
+              <a:t>Các</a:t>
+            </a:r>
+            <a:r>
+              <a:rPr lang="en-US" sz="3500" dirty="0">
+                <a:latin typeface="Times New Roman" panose="02020603050405020304" pitchFamily="18" charset="0"/>
+                <a:cs typeface="Times New Roman" panose="02020603050405020304" pitchFamily="18" charset="0"/>
+              </a:rPr>
+              <a:t> </a:t>
+            </a:r>
+            <a:r>
+              <a:rPr lang="en-US" sz="3500" dirty="0" err="1">
+                <a:latin typeface="Times New Roman" panose="02020603050405020304" pitchFamily="18" charset="0"/>
+                <a:cs typeface="Times New Roman" panose="02020603050405020304" pitchFamily="18" charset="0"/>
+              </a:rPr>
+              <a:t>bước</a:t>
+            </a:r>
+            <a:r>
+              <a:rPr lang="en-US" sz="3500" dirty="0">
+                <a:latin typeface="Times New Roman" panose="02020603050405020304" pitchFamily="18" charset="0"/>
+                <a:cs typeface="Times New Roman" panose="02020603050405020304" pitchFamily="18" charset="0"/>
+              </a:rPr>
+              <a:t> </a:t>
+            </a:r>
+            <a:r>
+              <a:rPr lang="en-US" sz="3500" dirty="0" err="1">
+                <a:latin typeface="Times New Roman" panose="02020603050405020304" pitchFamily="18" charset="0"/>
+                <a:cs typeface="Times New Roman" panose="02020603050405020304" pitchFamily="18" charset="0"/>
+              </a:rPr>
+              <a:t>tiếp</a:t>
+            </a:r>
+            <a:r>
+              <a:rPr lang="en-US" sz="3500" dirty="0">
+                <a:latin typeface="Times New Roman" panose="02020603050405020304" pitchFamily="18" charset="0"/>
+                <a:cs typeface="Times New Roman" panose="02020603050405020304" pitchFamily="18" charset="0"/>
+              </a:rPr>
+              <a:t> </a:t>
+            </a:r>
+            <a:r>
+              <a:rPr lang="en-US" sz="3500" dirty="0" err="1">
+                <a:latin typeface="Times New Roman" panose="02020603050405020304" pitchFamily="18" charset="0"/>
+                <a:cs typeface="Times New Roman" panose="02020603050405020304" pitchFamily="18" charset="0"/>
+              </a:rPr>
+              <a:t>theo</a:t>
+            </a:r>
+            <a:r>
+              <a:rPr lang="en-US" sz="3500" dirty="0">
+                <a:latin typeface="Times New Roman" panose="02020603050405020304" pitchFamily="18" charset="0"/>
+                <a:cs typeface="Times New Roman" panose="02020603050405020304" pitchFamily="18" charset="0"/>
+              </a:rPr>
+              <a:t> </a:t>
+            </a:r>
+            <a:r>
+              <a:rPr lang="en-US" sz="3500" dirty="0" err="1">
+                <a:latin typeface="Times New Roman" panose="02020603050405020304" pitchFamily="18" charset="0"/>
+                <a:cs typeface="Times New Roman" panose="02020603050405020304" pitchFamily="18" charset="0"/>
+              </a:rPr>
+              <a:t>mở</a:t>
+            </a:r>
+            <a:r>
+              <a:rPr lang="en-US" sz="3500" dirty="0">
+                <a:latin typeface="Times New Roman" panose="02020603050405020304" pitchFamily="18" charset="0"/>
+                <a:cs typeface="Times New Roman" panose="02020603050405020304" pitchFamily="18" charset="0"/>
+              </a:rPr>
+              <a:t> </a:t>
+            </a:r>
+            <a:r>
+              <a:rPr lang="en-US" sz="3500" dirty="0" err="1">
+                <a:latin typeface="Times New Roman" panose="02020603050405020304" pitchFamily="18" charset="0"/>
+                <a:cs typeface="Times New Roman" panose="02020603050405020304" pitchFamily="18" charset="0"/>
+              </a:rPr>
+              <a:t>cổng</a:t>
+            </a:r>
+            <a:endParaRPr lang="en-US" sz="3500" dirty="0">
+              <a:latin typeface="Times New Roman" panose="02020603050405020304" pitchFamily="18" charset="0"/>
+              <a:cs typeface="Times New Roman" panose="02020603050405020304" pitchFamily="18" charset="0"/>
+            </a:endParaRPr>
+          </a:p>
+        </p:txBody>
+      </p:sp>
+      <p:pic>
+        <p:nvPicPr>
+          <p:cNvPr id="10" name="Picture 9">
+            <a:extLst>
+              <a:ext uri="{FF2B5EF4-FFF2-40B4-BE49-F238E27FC236}">
+                <a16:creationId xmlns:a16="http://schemas.microsoft.com/office/drawing/2014/main" id="{A70A3394-D5B0-4C49-915F-7E9F69DAB9AA}"/>
+              </a:ext>
+            </a:extLst>
+          </p:cNvPr>
+          <p:cNvPicPr>
+            <a:picLocks noChangeAspect="1"/>
+          </p:cNvPicPr>
+          <p:nvPr/>
+        </p:nvPicPr>
+        <p:blipFill>
+          <a:blip r:embed="rId2"/>
+          <a:stretch>
+            <a:fillRect/>
+          </a:stretch>
+        </p:blipFill>
+        <p:spPr>
+          <a:xfrm>
+            <a:off x="1597515" y="1618697"/>
+            <a:ext cx="7622686" cy="4600000"/>
+          </a:xfrm>
+          <a:prstGeom prst="rect">
+            <a:avLst/>
+          </a:prstGeom>
+        </p:spPr>
+      </p:pic>
+    </p:spTree>
+    <p:extLst>
+      <p:ext uri="{BB962C8B-B14F-4D97-AF65-F5344CB8AC3E}">
+        <p14:creationId xmlns:p14="http://schemas.microsoft.com/office/powerpoint/2010/main" val="2305680552"/>
+      </p:ext>
+    </p:extLst>
+  </p:cSld>
+  <p:clrMapOvr>
+    <a:masterClrMapping/>
+  </p:clrMapOvr>
+</p:sld>
+</file>
+
 <file path=ppt/slides/slide3.xml><?xml version="1.0" encoding="utf-8"?>
 <p:sld xmlns:a="http://schemas.openxmlformats.org/drawingml/2006/main" xmlns:r="http://schemas.openxmlformats.org/officeDocument/2006/relationships" xmlns:p="http://schemas.openxmlformats.org/presentationml/2006/main">
   <p:cSld>
@@ -8841,6 +9200,660 @@
     <p:extLst>
       <p:ext uri="{BB962C8B-B14F-4D97-AF65-F5344CB8AC3E}">
         <p14:creationId xmlns:p14="http://schemas.microsoft.com/office/powerpoint/2010/main" val="3600578898"/>
+      </p:ext>
+    </p:extLst>
+  </p:cSld>
+  <p:clrMapOvr>
+    <a:masterClrMapping/>
+  </p:clrMapOvr>
+</p:sld>
+</file>
+
+<file path=ppt/slides/slide30.xml><?xml version="1.0" encoding="utf-8"?>
+<p:sld xmlns:a="http://schemas.openxmlformats.org/drawingml/2006/main" xmlns:r="http://schemas.openxmlformats.org/officeDocument/2006/relationships" xmlns:p="http://schemas.openxmlformats.org/presentationml/2006/main">
+  <p:cSld>
+    <p:spTree>
+      <p:nvGrpSpPr>
+        <p:cNvPr id="1" name=""/>
+        <p:cNvGrpSpPr/>
+        <p:nvPr/>
+      </p:nvGrpSpPr>
+      <p:grpSpPr>
+        <a:xfrm>
+          <a:off x="0" y="0"/>
+          <a:ext cx="0" cy="0"/>
+          <a:chOff x="0" y="0"/>
+          <a:chExt cx="0" cy="0"/>
+        </a:xfrm>
+      </p:grpSpPr>
+      <p:pic>
+        <p:nvPicPr>
+          <p:cNvPr id="3" name="Picture 2">
+            <a:extLst>
+              <a:ext uri="{FF2B5EF4-FFF2-40B4-BE49-F238E27FC236}">
+                <a16:creationId xmlns:a16="http://schemas.microsoft.com/office/drawing/2014/main" id="{B5326636-7EB5-41C5-9FC2-C45A6D08B70B}"/>
+              </a:ext>
+            </a:extLst>
+          </p:cNvPr>
+          <p:cNvPicPr>
+            <a:picLocks noChangeAspect="1"/>
+          </p:cNvPicPr>
+          <p:nvPr/>
+        </p:nvPicPr>
+        <p:blipFill>
+          <a:blip r:embed="rId2"/>
+          <a:stretch>
+            <a:fillRect/>
+          </a:stretch>
+        </p:blipFill>
+        <p:spPr>
+          <a:xfrm>
+            <a:off x="4112652" y="1066800"/>
+            <a:ext cx="8079348" cy="5791200"/>
+          </a:xfrm>
+          <a:prstGeom prst="rect">
+            <a:avLst/>
+          </a:prstGeom>
+        </p:spPr>
+      </p:pic>
+      <p:sp>
+        <p:nvSpPr>
+          <p:cNvPr id="4" name="TextBox 3">
+            <a:extLst>
+              <a:ext uri="{FF2B5EF4-FFF2-40B4-BE49-F238E27FC236}">
+                <a16:creationId xmlns:a16="http://schemas.microsoft.com/office/drawing/2014/main" id="{2D189F9F-CD8C-4052-A5F1-5B0B6DACC1EB}"/>
+              </a:ext>
+            </a:extLst>
+          </p:cNvPr>
+          <p:cNvSpPr txBox="1"/>
+          <p:nvPr/>
+        </p:nvSpPr>
+        <p:spPr>
+          <a:xfrm>
+            <a:off x="342900" y="2260600"/>
+            <a:ext cx="3086100" cy="1246495"/>
+          </a:xfrm>
+          <a:prstGeom prst="rect">
+            <a:avLst/>
+          </a:prstGeom>
+          <a:noFill/>
+        </p:spPr>
+        <p:txBody>
+          <a:bodyPr wrap="square" rtlCol="0">
+            <a:spAutoFit/>
+          </a:bodyPr>
+          <a:lstStyle/>
+          <a:p>
+            <a:r>
+              <a:rPr lang="en-US" sz="2500" dirty="0">
+                <a:latin typeface="Times New Roman" panose="02020603050405020304" pitchFamily="18" charset="0"/>
+                <a:cs typeface="Times New Roman" panose="02020603050405020304" pitchFamily="18" charset="0"/>
+              </a:rPr>
+              <a:t>-</a:t>
+            </a:r>
+            <a:r>
+              <a:rPr lang="en-US" sz="2500" dirty="0" err="1">
+                <a:latin typeface="Times New Roman" panose="02020603050405020304" pitchFamily="18" charset="0"/>
+                <a:cs typeface="Times New Roman" panose="02020603050405020304" pitchFamily="18" charset="0"/>
+              </a:rPr>
+              <a:t>Chuột</a:t>
+            </a:r>
+            <a:r>
+              <a:rPr lang="en-US" sz="2500" dirty="0">
+                <a:latin typeface="Times New Roman" panose="02020603050405020304" pitchFamily="18" charset="0"/>
+                <a:cs typeface="Times New Roman" panose="02020603050405020304" pitchFamily="18" charset="0"/>
+              </a:rPr>
+              <a:t> </a:t>
+            </a:r>
+            <a:r>
+              <a:rPr lang="en-US" sz="2500" dirty="0" err="1">
+                <a:latin typeface="Times New Roman" panose="02020603050405020304" pitchFamily="18" charset="0"/>
+                <a:cs typeface="Times New Roman" panose="02020603050405020304" pitchFamily="18" charset="0"/>
+              </a:rPr>
+              <a:t>phải</a:t>
+            </a:r>
+            <a:r>
+              <a:rPr lang="en-US" sz="2500" dirty="0">
+                <a:latin typeface="Times New Roman" panose="02020603050405020304" pitchFamily="18" charset="0"/>
+                <a:cs typeface="Times New Roman" panose="02020603050405020304" pitchFamily="18" charset="0"/>
+              </a:rPr>
+              <a:t> </a:t>
+            </a:r>
+            <a:r>
+              <a:rPr lang="en-US" sz="2500" dirty="0" err="1">
+                <a:latin typeface="Times New Roman" panose="02020603050405020304" pitchFamily="18" charset="0"/>
+                <a:cs typeface="Times New Roman" panose="02020603050405020304" pitchFamily="18" charset="0"/>
+              </a:rPr>
+              <a:t>vào</a:t>
+            </a:r>
+            <a:r>
+              <a:rPr lang="en-US" sz="2500" dirty="0">
+                <a:latin typeface="Times New Roman" panose="02020603050405020304" pitchFamily="18" charset="0"/>
+                <a:cs typeface="Times New Roman" panose="02020603050405020304" pitchFamily="18" charset="0"/>
+              </a:rPr>
+              <a:t> inbound rules</a:t>
+            </a:r>
+          </a:p>
+          <a:p>
+            <a:r>
+              <a:rPr lang="en-US" sz="2500" dirty="0">
+                <a:latin typeface="Times New Roman" panose="02020603050405020304" pitchFamily="18" charset="0"/>
+                <a:cs typeface="Times New Roman" panose="02020603050405020304" pitchFamily="18" charset="0"/>
+              </a:rPr>
+              <a:t>- </a:t>
+            </a:r>
+            <a:r>
+              <a:rPr lang="en-US" sz="2500" dirty="0" err="1">
+                <a:latin typeface="Times New Roman" panose="02020603050405020304" pitchFamily="18" charset="0"/>
+                <a:cs typeface="Times New Roman" panose="02020603050405020304" pitchFamily="18" charset="0"/>
+              </a:rPr>
+              <a:t>chọn</a:t>
+            </a:r>
+            <a:r>
+              <a:rPr lang="en-US" sz="2500" dirty="0">
+                <a:latin typeface="Times New Roman" panose="02020603050405020304" pitchFamily="18" charset="0"/>
+                <a:cs typeface="Times New Roman" panose="02020603050405020304" pitchFamily="18" charset="0"/>
+              </a:rPr>
+              <a:t> new rule…</a:t>
+            </a:r>
+          </a:p>
+        </p:txBody>
+      </p:sp>
+    </p:spTree>
+    <p:extLst>
+      <p:ext uri="{BB962C8B-B14F-4D97-AF65-F5344CB8AC3E}">
+        <p14:creationId xmlns:p14="http://schemas.microsoft.com/office/powerpoint/2010/main" val="3990223942"/>
+      </p:ext>
+    </p:extLst>
+  </p:cSld>
+  <p:clrMapOvr>
+    <a:masterClrMapping/>
+  </p:clrMapOvr>
+</p:sld>
+</file>
+
+<file path=ppt/slides/slide31.xml><?xml version="1.0" encoding="utf-8"?>
+<p:sld xmlns:a="http://schemas.openxmlformats.org/drawingml/2006/main" xmlns:r="http://schemas.openxmlformats.org/officeDocument/2006/relationships" xmlns:p="http://schemas.openxmlformats.org/presentationml/2006/main">
+  <p:cSld>
+    <p:spTree>
+      <p:nvGrpSpPr>
+        <p:cNvPr id="1" name=""/>
+        <p:cNvGrpSpPr/>
+        <p:nvPr/>
+      </p:nvGrpSpPr>
+      <p:grpSpPr>
+        <a:xfrm>
+          <a:off x="0" y="0"/>
+          <a:ext cx="0" cy="0"/>
+          <a:chOff x="0" y="0"/>
+          <a:chExt cx="0" cy="0"/>
+        </a:xfrm>
+      </p:grpSpPr>
+      <p:pic>
+        <p:nvPicPr>
+          <p:cNvPr id="3" name="Picture 2">
+            <a:extLst>
+              <a:ext uri="{FF2B5EF4-FFF2-40B4-BE49-F238E27FC236}">
+                <a16:creationId xmlns:a16="http://schemas.microsoft.com/office/drawing/2014/main" id="{D547F58A-77B9-4A1E-B2E3-DF15C834167A}"/>
+              </a:ext>
+            </a:extLst>
+          </p:cNvPr>
+          <p:cNvPicPr>
+            <a:picLocks noChangeAspect="1"/>
+          </p:cNvPicPr>
+          <p:nvPr/>
+        </p:nvPicPr>
+        <p:blipFill>
+          <a:blip r:embed="rId2"/>
+          <a:stretch>
+            <a:fillRect/>
+          </a:stretch>
+        </p:blipFill>
+        <p:spPr>
+          <a:xfrm>
+            <a:off x="0" y="1458913"/>
+            <a:ext cx="5410200" cy="4395787"/>
+          </a:xfrm>
+          <a:prstGeom prst="rect">
+            <a:avLst/>
+          </a:prstGeom>
+        </p:spPr>
+      </p:pic>
+      <p:sp>
+        <p:nvSpPr>
+          <p:cNvPr id="4" name="TextBox 3">
+            <a:extLst>
+              <a:ext uri="{FF2B5EF4-FFF2-40B4-BE49-F238E27FC236}">
+                <a16:creationId xmlns:a16="http://schemas.microsoft.com/office/drawing/2014/main" id="{8C3BC86F-0ACF-4BB4-A9F5-5B05A058A7F5}"/>
+              </a:ext>
+            </a:extLst>
+          </p:cNvPr>
+          <p:cNvSpPr txBox="1"/>
+          <p:nvPr/>
+        </p:nvSpPr>
+        <p:spPr>
+          <a:xfrm>
+            <a:off x="1524000" y="4604266"/>
+            <a:ext cx="3467100" cy="477054"/>
+          </a:xfrm>
+          <a:prstGeom prst="rect">
+            <a:avLst/>
+          </a:prstGeom>
+          <a:noFill/>
+        </p:spPr>
+        <p:txBody>
+          <a:bodyPr wrap="square" rtlCol="0">
+            <a:spAutoFit/>
+          </a:bodyPr>
+          <a:lstStyle/>
+          <a:p>
+            <a:r>
+              <a:rPr lang="en-US" sz="2500" dirty="0" err="1">
+                <a:solidFill>
+                  <a:srgbClr val="FF0000"/>
+                </a:solidFill>
+                <a:latin typeface="Times New Roman" panose="02020603050405020304" pitchFamily="18" charset="0"/>
+                <a:cs typeface="Times New Roman" panose="02020603050405020304" pitchFamily="18" charset="0"/>
+              </a:rPr>
+              <a:t>Chọn</a:t>
+            </a:r>
+            <a:r>
+              <a:rPr lang="en-US" sz="2500" dirty="0">
+                <a:solidFill>
+                  <a:srgbClr val="FF0000"/>
+                </a:solidFill>
+                <a:latin typeface="Times New Roman" panose="02020603050405020304" pitchFamily="18" charset="0"/>
+                <a:cs typeface="Times New Roman" panose="02020603050405020304" pitchFamily="18" charset="0"/>
+              </a:rPr>
+              <a:t> port =&gt; next</a:t>
+            </a:r>
+          </a:p>
+        </p:txBody>
+      </p:sp>
+      <p:pic>
+        <p:nvPicPr>
+          <p:cNvPr id="6" name="Picture 5">
+            <a:extLst>
+              <a:ext uri="{FF2B5EF4-FFF2-40B4-BE49-F238E27FC236}">
+                <a16:creationId xmlns:a16="http://schemas.microsoft.com/office/drawing/2014/main" id="{1639103E-4D5B-493D-8279-1522C35E48D5}"/>
+              </a:ext>
+            </a:extLst>
+          </p:cNvPr>
+          <p:cNvPicPr>
+            <a:picLocks noChangeAspect="1"/>
+          </p:cNvPicPr>
+          <p:nvPr/>
+        </p:nvPicPr>
+        <p:blipFill>
+          <a:blip r:embed="rId3"/>
+          <a:stretch>
+            <a:fillRect/>
+          </a:stretch>
+        </p:blipFill>
+        <p:spPr>
+          <a:xfrm>
+            <a:off x="5753100" y="1458913"/>
+            <a:ext cx="5757447" cy="4636753"/>
+          </a:xfrm>
+          <a:prstGeom prst="rect">
+            <a:avLst/>
+          </a:prstGeom>
+        </p:spPr>
+      </p:pic>
+      <p:sp>
+        <p:nvSpPr>
+          <p:cNvPr id="7" name="TextBox 6">
+            <a:extLst>
+              <a:ext uri="{FF2B5EF4-FFF2-40B4-BE49-F238E27FC236}">
+                <a16:creationId xmlns:a16="http://schemas.microsoft.com/office/drawing/2014/main" id="{EC970778-8348-487F-9337-9ABC34A9116F}"/>
+              </a:ext>
+            </a:extLst>
+          </p:cNvPr>
+          <p:cNvSpPr txBox="1"/>
+          <p:nvPr/>
+        </p:nvSpPr>
+        <p:spPr>
+          <a:xfrm>
+            <a:off x="7404100" y="4457700"/>
+            <a:ext cx="3378200" cy="861774"/>
+          </a:xfrm>
+          <a:prstGeom prst="rect">
+            <a:avLst/>
+          </a:prstGeom>
+          <a:noFill/>
+        </p:spPr>
+        <p:txBody>
+          <a:bodyPr wrap="square" rtlCol="0">
+            <a:spAutoFit/>
+          </a:bodyPr>
+          <a:lstStyle/>
+          <a:p>
+            <a:r>
+              <a:rPr lang="en-US" sz="2500" dirty="0" err="1">
+                <a:solidFill>
+                  <a:srgbClr val="FF0000"/>
+                </a:solidFill>
+                <a:latin typeface="Times New Roman" panose="02020603050405020304" pitchFamily="18" charset="0"/>
+                <a:cs typeface="Times New Roman" panose="02020603050405020304" pitchFamily="18" charset="0"/>
+              </a:rPr>
+              <a:t>Điền</a:t>
+            </a:r>
+            <a:r>
+              <a:rPr lang="en-US" sz="2500" dirty="0">
+                <a:solidFill>
+                  <a:srgbClr val="FF0000"/>
+                </a:solidFill>
+                <a:latin typeface="Times New Roman" panose="02020603050405020304" pitchFamily="18" charset="0"/>
+                <a:cs typeface="Times New Roman" panose="02020603050405020304" pitchFamily="18" charset="0"/>
+              </a:rPr>
+              <a:t>  ports: 4567</a:t>
+            </a:r>
+          </a:p>
+          <a:p>
+            <a:r>
+              <a:rPr lang="en-US" sz="2500" dirty="0">
+                <a:solidFill>
+                  <a:srgbClr val="FF0000"/>
+                </a:solidFill>
+                <a:latin typeface="Times New Roman" panose="02020603050405020304" pitchFamily="18" charset="0"/>
+                <a:cs typeface="Times New Roman" panose="02020603050405020304" pitchFamily="18" charset="0"/>
+              </a:rPr>
+              <a:t>=&gt; next</a:t>
+            </a:r>
+          </a:p>
+        </p:txBody>
+      </p:sp>
+    </p:spTree>
+    <p:extLst>
+      <p:ext uri="{BB962C8B-B14F-4D97-AF65-F5344CB8AC3E}">
+        <p14:creationId xmlns:p14="http://schemas.microsoft.com/office/powerpoint/2010/main" val="2284462926"/>
+      </p:ext>
+    </p:extLst>
+  </p:cSld>
+  <p:clrMapOvr>
+    <a:masterClrMapping/>
+  </p:clrMapOvr>
+</p:sld>
+</file>
+
+<file path=ppt/slides/slide32.xml><?xml version="1.0" encoding="utf-8"?>
+<p:sld xmlns:a="http://schemas.openxmlformats.org/drawingml/2006/main" xmlns:r="http://schemas.openxmlformats.org/officeDocument/2006/relationships" xmlns:p="http://schemas.openxmlformats.org/presentationml/2006/main">
+  <p:cSld>
+    <p:spTree>
+      <p:nvGrpSpPr>
+        <p:cNvPr id="1" name=""/>
+        <p:cNvGrpSpPr/>
+        <p:nvPr/>
+      </p:nvGrpSpPr>
+      <p:grpSpPr>
+        <a:xfrm>
+          <a:off x="0" y="0"/>
+          <a:ext cx="0" cy="0"/>
+          <a:chOff x="0" y="0"/>
+          <a:chExt cx="0" cy="0"/>
+        </a:xfrm>
+      </p:grpSpPr>
+      <p:pic>
+        <p:nvPicPr>
+          <p:cNvPr id="3" name="Picture 2">
+            <a:extLst>
+              <a:ext uri="{FF2B5EF4-FFF2-40B4-BE49-F238E27FC236}">
+                <a16:creationId xmlns:a16="http://schemas.microsoft.com/office/drawing/2014/main" id="{1ED5AB13-2547-4957-B214-C12E75486ADF}"/>
+              </a:ext>
+            </a:extLst>
+          </p:cNvPr>
+          <p:cNvPicPr>
+            <a:picLocks noChangeAspect="1"/>
+          </p:cNvPicPr>
+          <p:nvPr/>
+        </p:nvPicPr>
+        <p:blipFill>
+          <a:blip r:embed="rId2"/>
+          <a:stretch>
+            <a:fillRect/>
+          </a:stretch>
+        </p:blipFill>
+        <p:spPr>
+          <a:xfrm>
+            <a:off x="0" y="1536700"/>
+            <a:ext cx="6197600" cy="4344652"/>
+          </a:xfrm>
+          <a:prstGeom prst="rect">
+            <a:avLst/>
+          </a:prstGeom>
+        </p:spPr>
+      </p:pic>
+      <p:pic>
+        <p:nvPicPr>
+          <p:cNvPr id="5" name="Picture 4">
+            <a:extLst>
+              <a:ext uri="{FF2B5EF4-FFF2-40B4-BE49-F238E27FC236}">
+                <a16:creationId xmlns:a16="http://schemas.microsoft.com/office/drawing/2014/main" id="{000C1845-F000-4FE1-A549-EA73624B6D24}"/>
+              </a:ext>
+            </a:extLst>
+          </p:cNvPr>
+          <p:cNvPicPr>
+            <a:picLocks noChangeAspect="1"/>
+          </p:cNvPicPr>
+          <p:nvPr/>
+        </p:nvPicPr>
+        <p:blipFill>
+          <a:blip r:embed="rId3"/>
+          <a:stretch>
+            <a:fillRect/>
+          </a:stretch>
+        </p:blipFill>
+        <p:spPr>
+          <a:xfrm>
+            <a:off x="6225000" y="1536700"/>
+            <a:ext cx="5967000" cy="4344652"/>
+          </a:xfrm>
+          <a:prstGeom prst="rect">
+            <a:avLst/>
+          </a:prstGeom>
+        </p:spPr>
+      </p:pic>
+      <p:sp>
+        <p:nvSpPr>
+          <p:cNvPr id="6" name="TextBox 5">
+            <a:extLst>
+              <a:ext uri="{FF2B5EF4-FFF2-40B4-BE49-F238E27FC236}">
+                <a16:creationId xmlns:a16="http://schemas.microsoft.com/office/drawing/2014/main" id="{324488BB-16BA-42FD-8B51-DC416A8CD11C}"/>
+              </a:ext>
+            </a:extLst>
+          </p:cNvPr>
+          <p:cNvSpPr txBox="1"/>
+          <p:nvPr/>
+        </p:nvSpPr>
+        <p:spPr>
+          <a:xfrm>
+            <a:off x="5829300" y="6134100"/>
+            <a:ext cx="1282700" cy="630942"/>
+          </a:xfrm>
+          <a:prstGeom prst="rect">
+            <a:avLst/>
+          </a:prstGeom>
+          <a:noFill/>
+        </p:spPr>
+        <p:txBody>
+          <a:bodyPr wrap="square" rtlCol="0">
+            <a:spAutoFit/>
+          </a:bodyPr>
+          <a:lstStyle/>
+          <a:p>
+            <a:r>
+              <a:rPr lang="en-US" sz="3500" dirty="0">
+                <a:latin typeface="Times New Roman" panose="02020603050405020304" pitchFamily="18" charset="0"/>
+                <a:cs typeface="Times New Roman" panose="02020603050405020304" pitchFamily="18" charset="0"/>
+              </a:rPr>
+              <a:t>Next</a:t>
+            </a:r>
+          </a:p>
+        </p:txBody>
+      </p:sp>
+    </p:spTree>
+    <p:extLst>
+      <p:ext uri="{BB962C8B-B14F-4D97-AF65-F5344CB8AC3E}">
+        <p14:creationId xmlns:p14="http://schemas.microsoft.com/office/powerpoint/2010/main" val="1940363914"/>
+      </p:ext>
+    </p:extLst>
+  </p:cSld>
+  <p:clrMapOvr>
+    <a:masterClrMapping/>
+  </p:clrMapOvr>
+</p:sld>
+</file>
+
+<file path=ppt/slides/slide33.xml><?xml version="1.0" encoding="utf-8"?>
+<p:sld xmlns:a="http://schemas.openxmlformats.org/drawingml/2006/main" xmlns:r="http://schemas.openxmlformats.org/officeDocument/2006/relationships" xmlns:p="http://schemas.openxmlformats.org/presentationml/2006/main">
+  <p:cSld>
+    <p:spTree>
+      <p:nvGrpSpPr>
+        <p:cNvPr id="1" name=""/>
+        <p:cNvGrpSpPr/>
+        <p:nvPr/>
+      </p:nvGrpSpPr>
+      <p:grpSpPr>
+        <a:xfrm>
+          <a:off x="0" y="0"/>
+          <a:ext cx="0" cy="0"/>
+          <a:chOff x="0" y="0"/>
+          <a:chExt cx="0" cy="0"/>
+        </a:xfrm>
+      </p:grpSpPr>
+      <p:sp>
+        <p:nvSpPr>
+          <p:cNvPr id="4" name="TextBox 3">
+            <a:extLst>
+              <a:ext uri="{FF2B5EF4-FFF2-40B4-BE49-F238E27FC236}">
+                <a16:creationId xmlns:a16="http://schemas.microsoft.com/office/drawing/2014/main" id="{00266D85-A1D5-4207-80AB-938D1FA285BF}"/>
+              </a:ext>
+            </a:extLst>
+          </p:cNvPr>
+          <p:cNvSpPr txBox="1"/>
+          <p:nvPr/>
+        </p:nvSpPr>
+        <p:spPr>
+          <a:xfrm>
+            <a:off x="762000" y="2590800"/>
+            <a:ext cx="3695700" cy="369332"/>
+          </a:xfrm>
+          <a:prstGeom prst="rect">
+            <a:avLst/>
+          </a:prstGeom>
+          <a:noFill/>
+        </p:spPr>
+        <p:txBody>
+          <a:bodyPr wrap="square" rtlCol="0">
+            <a:spAutoFit/>
+          </a:bodyPr>
+          <a:lstStyle/>
+          <a:p>
+            <a:r>
+              <a:rPr lang="en-US" dirty="0" err="1"/>
+              <a:t>Điền</a:t>
+            </a:r>
+            <a:r>
+              <a:rPr lang="en-US" dirty="0"/>
+              <a:t> name : MY SQL sever </a:t>
+            </a:r>
+          </a:p>
+        </p:txBody>
+      </p:sp>
+      <p:pic>
+        <p:nvPicPr>
+          <p:cNvPr id="5" name="Picture 4">
+            <a:extLst>
+              <a:ext uri="{FF2B5EF4-FFF2-40B4-BE49-F238E27FC236}">
+                <a16:creationId xmlns:a16="http://schemas.microsoft.com/office/drawing/2014/main" id="{FEC66216-C4F5-40E7-A589-9CEB70AF4740}"/>
+              </a:ext>
+            </a:extLst>
+          </p:cNvPr>
+          <p:cNvPicPr>
+            <a:picLocks noChangeAspect="1"/>
+          </p:cNvPicPr>
+          <p:nvPr/>
+        </p:nvPicPr>
+        <p:blipFill>
+          <a:blip r:embed="rId2"/>
+          <a:stretch>
+            <a:fillRect/>
+          </a:stretch>
+        </p:blipFill>
+        <p:spPr>
+          <a:xfrm>
+            <a:off x="5544381" y="936962"/>
+            <a:ext cx="6647619" cy="5390476"/>
+          </a:xfrm>
+          <a:prstGeom prst="rect">
+            <a:avLst/>
+          </a:prstGeom>
+        </p:spPr>
+      </p:pic>
+    </p:spTree>
+    <p:extLst>
+      <p:ext uri="{BB962C8B-B14F-4D97-AF65-F5344CB8AC3E}">
+        <p14:creationId xmlns:p14="http://schemas.microsoft.com/office/powerpoint/2010/main" val="4245148696"/>
+      </p:ext>
+    </p:extLst>
+  </p:cSld>
+  <p:clrMapOvr>
+    <a:masterClrMapping/>
+  </p:clrMapOvr>
+</p:sld>
+</file>
+
+<file path=ppt/slides/slide34.xml><?xml version="1.0" encoding="utf-8"?>
+<p:sld xmlns:a="http://schemas.openxmlformats.org/drawingml/2006/main" xmlns:r="http://schemas.openxmlformats.org/officeDocument/2006/relationships" xmlns:p="http://schemas.openxmlformats.org/presentationml/2006/main">
+  <p:cSld>
+    <p:spTree>
+      <p:nvGrpSpPr>
+        <p:cNvPr id="1" name=""/>
+        <p:cNvGrpSpPr/>
+        <p:nvPr/>
+      </p:nvGrpSpPr>
+      <p:grpSpPr>
+        <a:xfrm>
+          <a:off x="0" y="0"/>
+          <a:ext cx="0" cy="0"/>
+          <a:chOff x="0" y="0"/>
+          <a:chExt cx="0" cy="0"/>
+        </a:xfrm>
+      </p:grpSpPr>
+      <p:pic>
+        <p:nvPicPr>
+          <p:cNvPr id="3" name="Picture 2">
+            <a:extLst>
+              <a:ext uri="{FF2B5EF4-FFF2-40B4-BE49-F238E27FC236}">
+                <a16:creationId xmlns:a16="http://schemas.microsoft.com/office/drawing/2014/main" id="{372F8961-56E4-4D23-AC2D-8E087CDC7C64}"/>
+              </a:ext>
+            </a:extLst>
+          </p:cNvPr>
+          <p:cNvPicPr>
+            <a:picLocks noChangeAspect="1"/>
+          </p:cNvPicPr>
+          <p:nvPr/>
+        </p:nvPicPr>
+        <p:blipFill>
+          <a:blip r:embed="rId2"/>
+          <a:stretch>
+            <a:fillRect/>
+          </a:stretch>
+        </p:blipFill>
+        <p:spPr>
+          <a:xfrm>
+            <a:off x="2856502" y="749300"/>
+            <a:ext cx="9335498" cy="6108700"/>
+          </a:xfrm>
+          <a:prstGeom prst="rect">
+            <a:avLst/>
+          </a:prstGeom>
+        </p:spPr>
+      </p:pic>
+    </p:spTree>
+    <p:extLst>
+      <p:ext uri="{BB962C8B-B14F-4D97-AF65-F5344CB8AC3E}">
+        <p14:creationId xmlns:p14="http://schemas.microsoft.com/office/powerpoint/2010/main" val="427682935"/>
       </p:ext>
     </p:extLst>
   </p:cSld>
